--- a/individual loyiha/kurs ishi Asadbek 942-20.pptx
+++ b/individual loyiha/kurs ishi Asadbek 942-20.pptx
@@ -348,7 +348,7 @@
           <a:p>
             <a:fld id="{19E3844D-20C0-4AF4-97A4-9CEB014740DB}" type="datetimeFigureOut">
               <a:rPr lang="ru-RU" smtClean="0"/>
-              <a:t>18.01.2023</a:t>
+              <a:t>19.01.2023</a:t>
             </a:fld>
             <a:endParaRPr lang="ru-RU"/>
           </a:p>
@@ -556,7 +556,7 @@
           <a:p>
             <a:fld id="{19E3844D-20C0-4AF4-97A4-9CEB014740DB}" type="datetimeFigureOut">
               <a:rPr lang="ru-RU" smtClean="0"/>
-              <a:t>18.01.2023</a:t>
+              <a:t>19.01.2023</a:t>
             </a:fld>
             <a:endParaRPr lang="ru-RU"/>
           </a:p>
@@ -812,7 +812,7 @@
           <a:p>
             <a:fld id="{19E3844D-20C0-4AF4-97A4-9CEB014740DB}" type="datetimeFigureOut">
               <a:rPr lang="ru-RU" smtClean="0"/>
-              <a:t>18.01.2023</a:t>
+              <a:t>19.01.2023</a:t>
             </a:fld>
             <a:endParaRPr lang="ru-RU"/>
           </a:p>
@@ -986,7 +986,7 @@
           <a:p>
             <a:fld id="{19E3844D-20C0-4AF4-97A4-9CEB014740DB}" type="datetimeFigureOut">
               <a:rPr lang="ru-RU" smtClean="0"/>
-              <a:t>18.01.2023</a:t>
+              <a:t>19.01.2023</a:t>
             </a:fld>
             <a:endParaRPr lang="ru-RU"/>
           </a:p>
@@ -1329,7 +1329,7 @@
           <a:p>
             <a:fld id="{19E3844D-20C0-4AF4-97A4-9CEB014740DB}" type="datetimeFigureOut">
               <a:rPr lang="ru-RU" smtClean="0"/>
-              <a:t>18.01.2023</a:t>
+              <a:t>19.01.2023</a:t>
             </a:fld>
             <a:endParaRPr lang="ru-RU"/>
           </a:p>
@@ -1604,7 +1604,7 @@
           <a:p>
             <a:fld id="{19E3844D-20C0-4AF4-97A4-9CEB014740DB}" type="datetimeFigureOut">
               <a:rPr lang="ru-RU" smtClean="0"/>
-              <a:t>18.01.2023</a:t>
+              <a:t>19.01.2023</a:t>
             </a:fld>
             <a:endParaRPr lang="ru-RU"/>
           </a:p>
@@ -1983,7 +1983,7 @@
           <a:p>
             <a:fld id="{19E3844D-20C0-4AF4-97A4-9CEB014740DB}" type="datetimeFigureOut">
               <a:rPr lang="ru-RU" smtClean="0"/>
-              <a:t>18.01.2023</a:t>
+              <a:t>19.01.2023</a:t>
             </a:fld>
             <a:endParaRPr lang="ru-RU"/>
           </a:p>
@@ -2101,7 +2101,7 @@
           <a:p>
             <a:fld id="{19E3844D-20C0-4AF4-97A4-9CEB014740DB}" type="datetimeFigureOut">
               <a:rPr lang="ru-RU" smtClean="0"/>
-              <a:t>18.01.2023</a:t>
+              <a:t>19.01.2023</a:t>
             </a:fld>
             <a:endParaRPr lang="ru-RU"/>
           </a:p>
@@ -2272,7 +2272,7 @@
           <a:p>
             <a:fld id="{19E3844D-20C0-4AF4-97A4-9CEB014740DB}" type="datetimeFigureOut">
               <a:rPr lang="ru-RU" smtClean="0"/>
-              <a:t>18.01.2023</a:t>
+              <a:t>19.01.2023</a:t>
             </a:fld>
             <a:endParaRPr lang="ru-RU"/>
           </a:p>
@@ -2626,7 +2626,7 @@
           <a:p>
             <a:fld id="{19E3844D-20C0-4AF4-97A4-9CEB014740DB}" type="datetimeFigureOut">
               <a:rPr lang="ru-RU" smtClean="0"/>
-              <a:t>18.01.2023</a:t>
+              <a:t>19.01.2023</a:t>
             </a:fld>
             <a:endParaRPr lang="ru-RU"/>
           </a:p>
@@ -3008,7 +3008,7 @@
           <a:p>
             <a:fld id="{19E3844D-20C0-4AF4-97A4-9CEB014740DB}" type="datetimeFigureOut">
               <a:rPr lang="ru-RU" smtClean="0"/>
-              <a:t>18.01.2023</a:t>
+              <a:t>19.01.2023</a:t>
             </a:fld>
             <a:endParaRPr lang="ru-RU"/>
           </a:p>
@@ -3295,7 +3295,7 @@
           <a:p>
             <a:fld id="{19E3844D-20C0-4AF4-97A4-9CEB014740DB}" type="datetimeFigureOut">
               <a:rPr lang="ru-RU" smtClean="0"/>
-              <a:t>18.01.2023</a:t>
+              <a:t>19.01.2023</a:t>
             </a:fld>
             <a:endParaRPr lang="ru-RU"/>
           </a:p>
@@ -5371,94 +5371,113 @@
             </a:r>
             <a:r>
               <a:rPr lang="en-US" sz="2000" dirty="0" smtClean="0"/>
-              <a:t>. Agar u </a:t>
-            </a:r>
-            <a:r>
-              <a:rPr lang="en-US" sz="2000" dirty="0" err="1" smtClean="0"/>
-              <a:t>tasdiqlash</a:t>
-            </a:r>
-            <a:r>
-              <a:rPr lang="en-US" sz="2000" dirty="0" smtClean="0"/>
-              <a:t> </a:t>
-            </a:r>
-            <a:r>
-              <a:rPr lang="en-US" sz="2000" dirty="0" err="1" smtClean="0"/>
-              <a:t>kodini</a:t>
-            </a:r>
-            <a:r>
-              <a:rPr lang="en-US" sz="2000" dirty="0" smtClean="0"/>
-              <a:t> </a:t>
-            </a:r>
-            <a:r>
-              <a:rPr lang="en-US" sz="2000" dirty="0" err="1" smtClean="0"/>
-              <a:t>kiritgan</a:t>
-            </a:r>
-            <a:r>
-              <a:rPr lang="en-US" sz="2000" dirty="0" smtClean="0"/>
-              <a:t> </a:t>
-            </a:r>
-            <a:r>
-              <a:rPr lang="en-US" sz="2000" dirty="0" err="1" smtClean="0"/>
-              <a:t>bo‘lsa</a:t>
-            </a:r>
-            <a:r>
-              <a:rPr lang="en-US" sz="2000" dirty="0" smtClean="0"/>
-              <a:t>, </a:t>
-            </a:r>
-            <a:r>
-              <a:rPr lang="en-US" sz="2000" dirty="0" err="1" smtClean="0"/>
-              <a:t>aks</a:t>
-            </a:r>
-            <a:r>
-              <a:rPr lang="en-US" sz="2000" dirty="0" smtClean="0"/>
-              <a:t> </a:t>
-            </a:r>
-            <a:r>
-              <a:rPr lang="en-US" sz="2000" dirty="0" err="1" smtClean="0"/>
-              <a:t>holda</a:t>
-            </a:r>
-            <a:r>
-              <a:rPr lang="en-US" sz="2000" dirty="0" smtClean="0"/>
-              <a:t> </a:t>
-            </a:r>
-            <a:r>
-              <a:rPr lang="en-US" sz="2000" dirty="0" err="1" smtClean="0"/>
-              <a:t>foydalanuvchi</a:t>
-            </a:r>
-            <a:r>
-              <a:rPr lang="en-US" sz="2000" dirty="0" smtClean="0"/>
-              <a:t> </a:t>
-            </a:r>
-            <a:r>
-              <a:rPr lang="en-US" sz="2000" dirty="0" err="1" smtClean="0"/>
-              <a:t>tasdiqlash</a:t>
-            </a:r>
-            <a:r>
-              <a:rPr lang="en-US" sz="2000" dirty="0" smtClean="0"/>
-              <a:t> </a:t>
-            </a:r>
-            <a:r>
-              <a:rPr lang="en-US" sz="2000" dirty="0" err="1" smtClean="0"/>
-              <a:t>kodini</a:t>
-            </a:r>
-            <a:r>
-              <a:rPr lang="en-US" sz="2000" dirty="0" smtClean="0"/>
-              <a:t> </a:t>
-            </a:r>
-            <a:r>
-              <a:rPr lang="en-US" sz="2000" dirty="0" err="1" smtClean="0"/>
-              <a:t>kiritishi</a:t>
-            </a:r>
-            <a:r>
-              <a:rPr lang="en-US" sz="2000" dirty="0" smtClean="0"/>
-              <a:t> </a:t>
-            </a:r>
-            <a:r>
-              <a:rPr lang="en-US" sz="2000" dirty="0" err="1" smtClean="0"/>
-              <a:t>lozim</a:t>
-            </a:r>
-            <a:r>
-              <a:rPr lang="en-US" sz="2000" dirty="0" smtClean="0"/>
+              <a:t>.</a:t>
+            </a:r>
+          </a:p>
+          <a:p>
+            <a:pPr algn="just"/>
+            <a:r>
+              <a:rPr lang="en-US" sz="2000" dirty="0" err="1"/>
+              <a:t>Keyin</a:t>
+            </a:r>
+            <a:r>
+              <a:rPr lang="en-US" sz="2000" dirty="0"/>
+              <a:t> </a:t>
+            </a:r>
+            <a:r>
+              <a:rPr lang="en-US" sz="2000" dirty="0" err="1"/>
+              <a:t>foydalanuvchining</a:t>
+            </a:r>
+            <a:r>
+              <a:rPr lang="en-US" sz="2000" dirty="0"/>
+              <a:t> </a:t>
+            </a:r>
+            <a:r>
+              <a:rPr lang="en-US" sz="2000" dirty="0" err="1"/>
+              <a:t>telefon</a:t>
+            </a:r>
+            <a:r>
+              <a:rPr lang="en-US" sz="2000" dirty="0"/>
+              <a:t> </a:t>
+            </a:r>
+            <a:r>
+              <a:rPr lang="en-US" sz="2000" dirty="0" err="1"/>
+              <a:t>raqamiga</a:t>
+            </a:r>
+            <a:r>
+              <a:rPr lang="en-US" sz="2000" dirty="0"/>
+              <a:t> </a:t>
+            </a:r>
+            <a:r>
+              <a:rPr lang="en-US" sz="2000" dirty="0" err="1"/>
+              <a:t>sms</a:t>
+            </a:r>
+            <a:r>
+              <a:rPr lang="en-US" sz="2000" dirty="0"/>
+              <a:t> </a:t>
+            </a:r>
+            <a:r>
+              <a:rPr lang="en-US" sz="2000" dirty="0" err="1"/>
+              <a:t>kod</a:t>
+            </a:r>
+            <a:r>
+              <a:rPr lang="en-US" sz="2000" dirty="0"/>
+              <a:t> </a:t>
+            </a:r>
+            <a:r>
+              <a:rPr lang="en-US" sz="2000" dirty="0" err="1"/>
+              <a:t>keladi</a:t>
+            </a:r>
+            <a:r>
+              <a:rPr lang="en-US" sz="2000" dirty="0"/>
+              <a:t>. Shu </a:t>
+            </a:r>
+            <a:r>
+              <a:rPr lang="en-US" sz="2000" dirty="0" err="1"/>
+              <a:t>kodni</a:t>
+            </a:r>
+            <a:r>
+              <a:rPr lang="en-US" sz="2000" dirty="0"/>
+              <a:t> </a:t>
+            </a:r>
+            <a:r>
+              <a:rPr lang="en-US" sz="2000" dirty="0" err="1"/>
+              <a:t>tasdiqlaganidan</a:t>
+            </a:r>
+            <a:r>
+              <a:rPr lang="en-US" sz="2000" dirty="0"/>
+              <a:t> </a:t>
+            </a:r>
+            <a:r>
+              <a:rPr lang="en-US" sz="2000" dirty="0" err="1"/>
+              <a:t>keyin</a:t>
+            </a:r>
+            <a:r>
+              <a:rPr lang="en-US" sz="2000" dirty="0"/>
+              <a:t> </a:t>
+            </a:r>
+            <a:r>
+              <a:rPr lang="en-US" sz="2000" dirty="0" err="1"/>
+              <a:t>tizimga</a:t>
+            </a:r>
+            <a:r>
+              <a:rPr lang="en-US" sz="2000" dirty="0"/>
+              <a:t> </a:t>
+            </a:r>
+            <a:r>
+              <a:rPr lang="en-US" sz="2000" dirty="0" err="1"/>
+              <a:t>kirishi</a:t>
+            </a:r>
+            <a:r>
+              <a:rPr lang="en-US" sz="2000" dirty="0"/>
+              <a:t> </a:t>
+            </a:r>
+            <a:r>
+              <a:rPr lang="en-US" sz="2000" dirty="0" err="1"/>
+              <a:t>mumkin</a:t>
+            </a:r>
+            <a:r>
+              <a:rPr lang="en-US" sz="2000" dirty="0"/>
               <a:t>.</a:t>
             </a:r>
             <a:endParaRPr lang="ru-RU" sz="2000" dirty="0"/>
@@ -6968,21 +6987,28 @@
                 <a:ea typeface="Arial Unicode MS" panose="020B0604020202020204" pitchFamily="34" charset="-128"/>
                 <a:cs typeface="Arial Unicode MS" panose="020B0604020202020204" pitchFamily="34" charset="-128"/>
               </a:rPr>
-              <a:t>. </a:t>
+              <a:t>. Web </a:t>
+            </a:r>
+            <a:r>
+              <a:rPr lang="en-US" sz="2000" dirty="0" err="1" smtClean="0">
+                <a:ea typeface="Arial Unicode MS" panose="020B0604020202020204" pitchFamily="34" charset="-128"/>
+                <a:cs typeface="Arial Unicode MS" panose="020B0604020202020204" pitchFamily="34" charset="-128"/>
+              </a:rPr>
+              <a:t>ilovani</a:t>
             </a:r>
             <a:r>
               <a:rPr lang="en-US" sz="2000" dirty="0" smtClean="0">
                 <a:ea typeface="Arial Unicode MS" panose="020B0604020202020204" pitchFamily="34" charset="-128"/>
                 <a:cs typeface="Arial Unicode MS" panose="020B0604020202020204" pitchFamily="34" charset="-128"/>
               </a:rPr>
-              <a:t>Web </a:t>
+              <a:t> </a:t>
             </a:r>
             <a:r>
               <a:rPr lang="en-US" sz="2000" dirty="0" err="1" smtClean="0">
                 <a:ea typeface="Arial Unicode MS" panose="020B0604020202020204" pitchFamily="34" charset="-128"/>
                 <a:cs typeface="Arial Unicode MS" panose="020B0604020202020204" pitchFamily="34" charset="-128"/>
               </a:rPr>
-              <a:t>ilovani</a:t>
+              <a:t>yaratish</a:t>
             </a:r>
             <a:r>
               <a:rPr lang="en-US" sz="2000" dirty="0" smtClean="0">
@@ -6996,63 +7022,77 @@
                 <a:ea typeface="Arial Unicode MS" panose="020B0604020202020204" pitchFamily="34" charset="-128"/>
                 <a:cs typeface="Arial Unicode MS" panose="020B0604020202020204" pitchFamily="34" charset="-128"/>
               </a:rPr>
-              <a:t>yaratish</a:t>
+              <a:t>davomida</a:t>
             </a:r>
             <a:r>
               <a:rPr lang="en-US" sz="2000" dirty="0" smtClean="0">
                 <a:ea typeface="Arial Unicode MS" panose="020B0604020202020204" pitchFamily="34" charset="-128"/>
                 <a:cs typeface="Arial Unicode MS" panose="020B0604020202020204" pitchFamily="34" charset="-128"/>
               </a:rPr>
-              <a:t> </a:t>
+              <a:t> PHP </a:t>
             </a:r>
             <a:r>
               <a:rPr lang="en-US" sz="2000" dirty="0" err="1" smtClean="0">
                 <a:ea typeface="Arial Unicode MS" panose="020B0604020202020204" pitchFamily="34" charset="-128"/>
                 <a:cs typeface="Arial Unicode MS" panose="020B0604020202020204" pitchFamily="34" charset="-128"/>
               </a:rPr>
-              <a:t>davomida</a:t>
+              <a:t>dasturlash</a:t>
             </a:r>
             <a:r>
               <a:rPr lang="en-US" sz="2000" dirty="0" smtClean="0">
                 <a:ea typeface="Arial Unicode MS" panose="020B0604020202020204" pitchFamily="34" charset="-128"/>
                 <a:cs typeface="Arial Unicode MS" panose="020B0604020202020204" pitchFamily="34" charset="-128"/>
               </a:rPr>
-              <a:t> PHP </a:t>
+              <a:t> </a:t>
             </a:r>
             <a:r>
               <a:rPr lang="en-US" sz="2000" dirty="0" err="1" smtClean="0">
                 <a:ea typeface="Arial Unicode MS" panose="020B0604020202020204" pitchFamily="34" charset="-128"/>
                 <a:cs typeface="Arial Unicode MS" panose="020B0604020202020204" pitchFamily="34" charset="-128"/>
               </a:rPr>
-              <a:t>dasturlash</a:t>
+              <a:t>tilida</a:t>
             </a:r>
             <a:r>
               <a:rPr lang="en-US" sz="2000" dirty="0" smtClean="0">
                 <a:ea typeface="Arial Unicode MS" panose="020B0604020202020204" pitchFamily="34" charset="-128"/>
                 <a:cs typeface="Arial Unicode MS" panose="020B0604020202020204" pitchFamily="34" charset="-128"/>
               </a:rPr>
-              <a:t> </a:t>
+              <a:t> 2 </a:t>
             </a:r>
             <a:r>
               <a:rPr lang="en-US" sz="2000" dirty="0" err="1" smtClean="0">
                 <a:ea typeface="Arial Unicode MS" panose="020B0604020202020204" pitchFamily="34" charset="-128"/>
                 <a:cs typeface="Arial Unicode MS" panose="020B0604020202020204" pitchFamily="34" charset="-128"/>
               </a:rPr>
-              <a:t>tilida</a:t>
+              <a:t>faktorli</a:t>
             </a:r>
             <a:r>
               <a:rPr lang="en-US" sz="2000" dirty="0" smtClean="0">
                 <a:ea typeface="Arial Unicode MS" panose="020B0604020202020204" pitchFamily="34" charset="-128"/>
                 <a:cs typeface="Arial Unicode MS" panose="020B0604020202020204" pitchFamily="34" charset="-128"/>
               </a:rPr>
-              <a:t> 2 </a:t>
+              <a:t> </a:t>
             </a:r>
             <a:r>
               <a:rPr lang="en-US" sz="2000" dirty="0" err="1" smtClean="0">
                 <a:ea typeface="Arial Unicode MS" panose="020B0604020202020204" pitchFamily="34" charset="-128"/>
                 <a:cs typeface="Arial Unicode MS" panose="020B0604020202020204" pitchFamily="34" charset="-128"/>
               </a:rPr>
-              <a:t>faktorli</a:t>
+              <a:t>avtorizatsiya</a:t>
+            </a:r>
+            <a:r>
+              <a:rPr lang="en-US" sz="2000" dirty="0">
+                <a:ea typeface="Arial Unicode MS" panose="020B0604020202020204" pitchFamily="34" charset="-128"/>
+                <a:cs typeface="Arial Unicode MS" panose="020B0604020202020204" pitchFamily="34" charset="-128"/>
+              </a:rPr>
+              <a:t> </a:t>
+            </a:r>
+            <a:r>
+              <a:rPr lang="en-US" sz="2000" dirty="0" err="1" smtClean="0">
+                <a:ea typeface="Arial Unicode MS" panose="020B0604020202020204" pitchFamily="34" charset="-128"/>
+                <a:cs typeface="Arial Unicode MS" panose="020B0604020202020204" pitchFamily="34" charset="-128"/>
+              </a:rPr>
+              <a:t>qilish</a:t>
             </a:r>
             <a:r>
               <a:rPr lang="en-US" sz="2000" dirty="0" smtClean="0">
@@ -7066,35 +7106,7 @@
                 <a:ea typeface="Arial Unicode MS" panose="020B0604020202020204" pitchFamily="34" charset="-128"/>
                 <a:cs typeface="Arial Unicode MS" panose="020B0604020202020204" pitchFamily="34" charset="-128"/>
               </a:rPr>
-              <a:t>avtorizatsiya</a:t>
-            </a:r>
-            <a:r>
-              <a:rPr lang="en-US" sz="2000" dirty="0">
-                <a:ea typeface="Arial Unicode MS" panose="020B0604020202020204" pitchFamily="34" charset="-128"/>
-                <a:cs typeface="Arial Unicode MS" panose="020B0604020202020204" pitchFamily="34" charset="-128"/>
-              </a:rPr>
-              <a:t> </a:t>
-            </a:r>
-            <a:r>
-              <a:rPr lang="en-US" sz="2000" dirty="0" err="1" smtClean="0">
-                <a:ea typeface="Arial Unicode MS" panose="020B0604020202020204" pitchFamily="34" charset="-128"/>
-                <a:cs typeface="Arial Unicode MS" panose="020B0604020202020204" pitchFamily="34" charset="-128"/>
-              </a:rPr>
-              <a:t>qilish</a:t>
-            </a:r>
-            <a:r>
-              <a:rPr lang="en-US" sz="2000" dirty="0" smtClean="0">
-                <a:ea typeface="Arial Unicode MS" panose="020B0604020202020204" pitchFamily="34" charset="-128"/>
-                <a:cs typeface="Arial Unicode MS" panose="020B0604020202020204" pitchFamily="34" charset="-128"/>
-              </a:rPr>
-              <a:t> o‘.</a:t>
-            </a:r>
-            <a:r>
-              <a:rPr lang="en-US" sz="2000" dirty="0" err="1" smtClean="0">
-                <a:ea typeface="Arial Unicode MS" panose="020B0604020202020204" pitchFamily="34" charset="-128"/>
-                <a:cs typeface="Arial Unicode MS" panose="020B0604020202020204" pitchFamily="34" charset="-128"/>
-              </a:rPr>
-              <a:t>rganildi</a:t>
+              <a:t>o‘rganildi</a:t>
             </a:r>
             <a:r>
               <a:rPr lang="en-US" sz="2000" dirty="0">
